--- a/application/dash/assets/PowerpointTemplates/ModernAngles.pptx
+++ b/application/dash/assets/PowerpointTemplates/ModernAngles.pptx
@@ -159,6 +159,64 @@
           <c:marker>
             <c:symbol val="none"/>
           </c:marker>
+          <c:dLbls>
+            <c:spPr>
+              <a:noFill/>
+              <a:ln>
+                <a:noFill/>
+              </a:ln>
+              <a:effectLst/>
+            </c:spPr>
+            <c:txPr>
+              <a:bodyPr rot="0" spcFirstLastPara="1" vertOverflow="ellipsis" vert="horz" wrap="square" lIns="38100" tIns="19050" rIns="38100" bIns="19050" anchor="ctr" anchorCtr="1">
+                <a:spAutoFit/>
+              </a:bodyPr>
+              <a:lstStyle/>
+              <a:p>
+                <a:pPr>
+                  <a:defRPr sz="1197" b="0" i="0" u="none" strike="noStrike" kern="1200" baseline="0">
+                    <a:solidFill>
+                      <a:schemeClr val="tx1">
+                        <a:lumMod val="75000"/>
+                        <a:lumOff val="25000"/>
+                      </a:schemeClr>
+                    </a:solidFill>
+                    <a:latin typeface="+mn-lt"/>
+                    <a:ea typeface="+mn-ea"/>
+                    <a:cs typeface="+mn-cs"/>
+                  </a:defRPr>
+                </a:pPr>
+                <a:endParaRPr lang="en-US"/>
+              </a:p>
+            </c:txPr>
+            <c:dLblPos val="t"/>
+            <c:showLegendKey val="0"/>
+            <c:showVal val="1"/>
+            <c:showCatName val="0"/>
+            <c:showSerName val="0"/>
+            <c:showPercent val="0"/>
+            <c:showBubbleSize val="0"/>
+            <c:showLeaderLines val="0"/>
+            <c:extLst>
+              <c:ext xmlns:c15="http://schemas.microsoft.com/office/drawing/2012/chart" uri="{CE6537A1-D6FC-4f65-9D91-7224C49458BB}">
+                <c15:showLeaderLines val="1"/>
+                <c15:leaderLines>
+                  <c:spPr>
+                    <a:ln w="9525" cap="flat" cmpd="sng" algn="ctr">
+                      <a:solidFill>
+                        <a:schemeClr val="tx1">
+                          <a:lumMod val="35000"/>
+                          <a:lumOff val="65000"/>
+                        </a:schemeClr>
+                      </a:solidFill>
+                      <a:round/>
+                    </a:ln>
+                    <a:effectLst/>
+                  </c:spPr>
+                </c15:leaderLines>
+              </c:ext>
+            </c:extLst>
+          </c:dLbls>
           <c:cat>
             <c:strRef>
               <c:f>Sheet1!$A$2:$A$5</c:f>
@@ -233,6 +291,64 @@
           <c:marker>
             <c:symbol val="none"/>
           </c:marker>
+          <c:dLbls>
+            <c:spPr>
+              <a:noFill/>
+              <a:ln>
+                <a:noFill/>
+              </a:ln>
+              <a:effectLst/>
+            </c:spPr>
+            <c:txPr>
+              <a:bodyPr rot="0" spcFirstLastPara="1" vertOverflow="ellipsis" vert="horz" wrap="square" lIns="38100" tIns="19050" rIns="38100" bIns="19050" anchor="ctr" anchorCtr="1">
+                <a:spAutoFit/>
+              </a:bodyPr>
+              <a:lstStyle/>
+              <a:p>
+                <a:pPr>
+                  <a:defRPr sz="1197" b="0" i="0" u="none" strike="noStrike" kern="1200" baseline="0">
+                    <a:solidFill>
+                      <a:schemeClr val="tx1">
+                        <a:lumMod val="75000"/>
+                        <a:lumOff val="25000"/>
+                      </a:schemeClr>
+                    </a:solidFill>
+                    <a:latin typeface="+mn-lt"/>
+                    <a:ea typeface="+mn-ea"/>
+                    <a:cs typeface="+mn-cs"/>
+                  </a:defRPr>
+                </a:pPr>
+                <a:endParaRPr lang="en-US"/>
+              </a:p>
+            </c:txPr>
+            <c:dLblPos val="t"/>
+            <c:showLegendKey val="0"/>
+            <c:showVal val="1"/>
+            <c:showCatName val="0"/>
+            <c:showSerName val="0"/>
+            <c:showPercent val="0"/>
+            <c:showBubbleSize val="0"/>
+            <c:showLeaderLines val="0"/>
+            <c:extLst>
+              <c:ext xmlns:c15="http://schemas.microsoft.com/office/drawing/2012/chart" uri="{CE6537A1-D6FC-4f65-9D91-7224C49458BB}">
+                <c15:showLeaderLines val="1"/>
+                <c15:leaderLines>
+                  <c:spPr>
+                    <a:ln w="9525" cap="flat" cmpd="sng" algn="ctr">
+                      <a:solidFill>
+                        <a:schemeClr val="tx1">
+                          <a:lumMod val="35000"/>
+                          <a:lumOff val="65000"/>
+                        </a:schemeClr>
+                      </a:solidFill>
+                      <a:round/>
+                    </a:ln>
+                    <a:effectLst/>
+                  </c:spPr>
+                </c15:leaderLines>
+              </c:ext>
+            </c:extLst>
+          </c:dLbls>
           <c:cat>
             <c:strRef>
               <c:f>Sheet1!$A$2:$A$5</c:f>
@@ -307,6 +423,64 @@
           <c:marker>
             <c:symbol val="none"/>
           </c:marker>
+          <c:dLbls>
+            <c:spPr>
+              <a:noFill/>
+              <a:ln>
+                <a:noFill/>
+              </a:ln>
+              <a:effectLst/>
+            </c:spPr>
+            <c:txPr>
+              <a:bodyPr rot="0" spcFirstLastPara="1" vertOverflow="ellipsis" vert="horz" wrap="square" lIns="38100" tIns="19050" rIns="38100" bIns="19050" anchor="ctr" anchorCtr="1">
+                <a:spAutoFit/>
+              </a:bodyPr>
+              <a:lstStyle/>
+              <a:p>
+                <a:pPr>
+                  <a:defRPr sz="1197" b="0" i="0" u="none" strike="noStrike" kern="1200" baseline="0">
+                    <a:solidFill>
+                      <a:schemeClr val="tx1">
+                        <a:lumMod val="75000"/>
+                        <a:lumOff val="25000"/>
+                      </a:schemeClr>
+                    </a:solidFill>
+                    <a:latin typeface="+mn-lt"/>
+                    <a:ea typeface="+mn-ea"/>
+                    <a:cs typeface="+mn-cs"/>
+                  </a:defRPr>
+                </a:pPr>
+                <a:endParaRPr lang="en-US"/>
+              </a:p>
+            </c:txPr>
+            <c:dLblPos val="t"/>
+            <c:showLegendKey val="0"/>
+            <c:showVal val="1"/>
+            <c:showCatName val="0"/>
+            <c:showSerName val="0"/>
+            <c:showPercent val="0"/>
+            <c:showBubbleSize val="0"/>
+            <c:showLeaderLines val="0"/>
+            <c:extLst>
+              <c:ext xmlns:c15="http://schemas.microsoft.com/office/drawing/2012/chart" uri="{CE6537A1-D6FC-4f65-9D91-7224C49458BB}">
+                <c15:showLeaderLines val="1"/>
+                <c15:leaderLines>
+                  <c:spPr>
+                    <a:ln w="9525" cap="flat" cmpd="sng" algn="ctr">
+                      <a:solidFill>
+                        <a:schemeClr val="tx1">
+                          <a:lumMod val="35000"/>
+                          <a:lumOff val="65000"/>
+                        </a:schemeClr>
+                      </a:solidFill>
+                      <a:round/>
+                    </a:ln>
+                    <a:effectLst/>
+                  </c:spPr>
+                </c15:leaderLines>
+              </c:ext>
+            </c:extLst>
+          </c:dLbls>
           <c:cat>
             <c:strRef>
               <c:f>Sheet1!$A$2:$A$5</c:f>
@@ -358,7 +532,7 @@
         <c:dLbls>
           <c:dLblPos val="t"/>
           <c:showLegendKey val="0"/>
-          <c:showVal val="0"/>
+          <c:showVal val="1"/>
           <c:showCatName val="0"/>
           <c:showSerName val="0"/>
           <c:showPercent val="0"/>
@@ -1334,7 +1508,7 @@
           <a:p>
             <a:fld id="{9184DA70-C731-4C70-880D-CCD4705E623C}" type="datetime1">
               <a:rPr lang="en-US" smtClean="0"/>
-              <a:t>9/6/2021</a:t>
+              <a:t>9/20/2021</a:t>
             </a:fld>
             <a:endParaRPr lang="en-US" dirty="0"/>
           </a:p>
@@ -1522,7 +1696,7 @@
           <a:p>
             <a:fld id="{4BE1D723-8F53-4F53-90B0-1982A396982E}" type="datetime1">
               <a:rPr lang="en-US" smtClean="0"/>
-              <a:t>9/6/2021</a:t>
+              <a:t>9/20/2021</a:t>
             </a:fld>
             <a:endParaRPr lang="en-US" dirty="0"/>
           </a:p>
@@ -1895,7 +2069,7 @@
           <a:p>
             <a:fld id="{97669AF7-7BEB-44E4-9852-375E34362B5B}" type="datetime1">
               <a:rPr lang="en-US" smtClean="0"/>
-              <a:t>9/6/2021</a:t>
+              <a:t>9/20/2021</a:t>
             </a:fld>
             <a:endParaRPr lang="en-US" dirty="0"/>
           </a:p>
@@ -2150,7 +2324,7 @@
           <a:p>
             <a:fld id="{BAAAC38D-0552-4C82-B593-E6124DFADBE2}" type="datetime1">
               <a:rPr lang="en-US" smtClean="0"/>
-              <a:t>9/6/2021</a:t>
+              <a:t>9/20/2021</a:t>
             </a:fld>
             <a:endParaRPr lang="en-US" dirty="0"/>
           </a:p>
@@ -2547,7 +2721,7 @@
           <a:p>
             <a:fld id="{D9DF0F1C-5577-4ACB-BB62-DF8F3C494C7E}" type="datetime1">
               <a:rPr lang="en-US" smtClean="0"/>
-              <a:t>9/6/2021</a:t>
+              <a:t>9/20/2021</a:t>
             </a:fld>
             <a:endParaRPr lang="en-US" dirty="0"/>
           </a:p>
@@ -2683,7 +2857,7 @@
           <a:p>
             <a:fld id="{1775B394-D9F9-4F0C-B15D-605F45CB9E9F}" type="datetime1">
               <a:rPr lang="en-US" smtClean="0"/>
-              <a:t>9/6/2021</a:t>
+              <a:t>9/20/2021</a:t>
             </a:fld>
             <a:endParaRPr lang="en-US" dirty="0"/>
           </a:p>
@@ -2840,7 +3014,7 @@
           <a:p>
             <a:fld id="{39667345-2558-425A-8533-9BFDBCE15005}" type="datetime1">
               <a:rPr lang="en-US" smtClean="0"/>
-              <a:t>9/6/2021</a:t>
+              <a:t>9/20/2021</a:t>
             </a:fld>
             <a:endParaRPr lang="en-US" dirty="0"/>
           </a:p>
@@ -3169,7 +3343,7 @@
           <a:p>
             <a:fld id="{92BEA474-078D-4E9B-9B14-09A87B19DC46}" type="datetime1">
               <a:rPr lang="en-US" smtClean="0"/>
-              <a:t>9/6/2021</a:t>
+              <a:t>9/20/2021</a:t>
             </a:fld>
             <a:endParaRPr lang="en-US" dirty="0"/>
           </a:p>
@@ -3519,7 +3693,7 @@
           <a:p>
             <a:fld id="{4907D986-8816-4272-A432-0437A28A9828}" type="datetime1">
               <a:rPr lang="en-US" smtClean="0"/>
-              <a:t>9/6/2021</a:t>
+              <a:t>9/20/2021</a:t>
             </a:fld>
             <a:endParaRPr lang="en-US" dirty="0"/>
           </a:p>
@@ -3780,7 +3954,7 @@
           <a:p>
             <a:fld id="{62D6E202-B606-4609-B914-27C9371A1F6D}" type="datetime1">
               <a:rPr lang="en-US" smtClean="0"/>
-              <a:t>9/6/2021</a:t>
+              <a:t>9/20/2021</a:t>
             </a:fld>
             <a:endParaRPr lang="en-US" dirty="0"/>
           </a:p>
@@ -4622,9 +4796,10 @@
               </a:lnSpc>
             </a:pPr>
             <a:r>
-              <a:rPr lang="en-US" sz="1600" dirty="0"/>
-              <a:t>Powered by PY-PPTX</a:t>
+              <a:rPr lang="en-US" sz="1600"/>
+              <a:t>USING PY-PPTX</a:t>
             </a:r>
+            <a:endParaRPr lang="en-US" sz="1600" dirty="0"/>
           </a:p>
         </p:txBody>
       </p:sp>
@@ -5163,24 +5338,6 @@
 </file>
 
 <file path=customXml/item1.xml><?xml version="1.0" encoding="utf-8"?>
-<p:properties xmlns:p="http://schemas.microsoft.com/office/2006/metadata/properties" xmlns:xsi="http://www.w3.org/2001/XMLSchema-instance" xmlns:pc="http://schemas.microsoft.com/office/infopath/2007/PartnerControls">
-  <documentManagement>
-    <Status xmlns="71af3243-3dd4-4a8d-8c0d-dd76da1f02a5">Not started</Status>
-    <MediaServiceKeyPoints xmlns="71af3243-3dd4-4a8d-8c0d-dd76da1f02a5" xsi:nil="true"/>
-  </documentManagement>
-</p:properties>
-</file>
-
-<file path=customXml/item2.xml><?xml version="1.0" encoding="utf-8"?>
-<?mso-contentType ?>
-<FormTemplates xmlns="http://schemas.microsoft.com/sharepoint/v3/contenttype/forms">
-  <Display>DocumentLibraryForm</Display>
-  <Edit>DocumentLibraryForm</Edit>
-  <New>DocumentLibraryForm</New>
-</FormTemplates>
-</file>
-
-<file path=customXml/item3.xml><?xml version="1.0" encoding="utf-8"?>
 <ct:contentTypeSchema xmlns:ct="http://schemas.microsoft.com/office/2006/metadata/contentType" xmlns:ma="http://schemas.microsoft.com/office/2006/metadata/properties/metaAttributes" ct:_="" ma:_="" ma:contentTypeName="Document" ma:contentTypeID="0x01010079F111ED35F8CC479449609E8A0923A6" ma:contentTypeVersion="12" ma:contentTypeDescription="Create a new document." ma:contentTypeScope="" ma:versionID="426e97fa315356fffbdcd9876fe988c2">
   <xsd:schema xmlns:xsd="http://www.w3.org/2001/XMLSchema" xmlns:xs="http://www.w3.org/2001/XMLSchema" xmlns:p="http://schemas.microsoft.com/office/2006/metadata/properties" xmlns:ns2="71af3243-3dd4-4a8d-8c0d-dd76da1f02a5" xmlns:ns3="16c05727-aa75-4e4a-9b5f-8a80a1165891" targetNamespace="http://schemas.microsoft.com/office/2006/metadata/properties" ma:root="true" ma:fieldsID="14b8f0def80e6d70ce3def20c90759ae" ns2:_="" ns3:_="">
     <xsd:import namespace="71af3243-3dd4-4a8d-8c0d-dd76da1f02a5"/>
@@ -5401,25 +5558,25 @@
 </ct:contentTypeSchema>
 </file>
 
-<file path=customXml/itemProps1.xml><?xml version="1.0" encoding="utf-8"?>
-<ds:datastoreItem xmlns:ds="http://schemas.openxmlformats.org/officeDocument/2006/customXml" ds:itemID="{84F503EC-3FFF-4193-A86F-39150E2BAC75}">
-  <ds:schemaRefs>
-    <ds:schemaRef ds:uri="http://schemas.microsoft.com/office/2006/metadata/properties"/>
-    <ds:schemaRef ds:uri="http://schemas.microsoft.com/office/infopath/2007/PartnerControls"/>
-    <ds:schemaRef ds:uri="71af3243-3dd4-4a8d-8c0d-dd76da1f02a5"/>
-  </ds:schemaRefs>
-</ds:datastoreItem>
+<file path=customXml/item2.xml><?xml version="1.0" encoding="utf-8"?>
+<?mso-contentType ?>
+<FormTemplates xmlns="http://schemas.microsoft.com/sharepoint/v3/contenttype/forms">
+  <Display>DocumentLibraryForm</Display>
+  <Edit>DocumentLibraryForm</Edit>
+  <New>DocumentLibraryForm</New>
+</FormTemplates>
 </file>
 
-<file path=customXml/itemProps2.xml><?xml version="1.0" encoding="utf-8"?>
-<ds:datastoreItem xmlns:ds="http://schemas.openxmlformats.org/officeDocument/2006/customXml" ds:itemID="{2E5ECA37-C458-4BA2-A090-D7A19E07B434}">
-  <ds:schemaRefs>
-    <ds:schemaRef ds:uri="http://schemas.microsoft.com/sharepoint/v3/contenttype/forms"/>
-  </ds:schemaRefs>
-</ds:datastoreItem>
+<file path=customXml/item3.xml><?xml version="1.0" encoding="utf-8"?>
+<p:properties xmlns:p="http://schemas.microsoft.com/office/2006/metadata/properties" xmlns:xsi="http://www.w3.org/2001/XMLSchema-instance" xmlns:pc="http://schemas.microsoft.com/office/infopath/2007/PartnerControls">
+  <documentManagement>
+    <Status xmlns="71af3243-3dd4-4a8d-8c0d-dd76da1f02a5">Not started</Status>
+    <MediaServiceKeyPoints xmlns="71af3243-3dd4-4a8d-8c0d-dd76da1f02a5" xsi:nil="true"/>
+  </documentManagement>
+</p:properties>
 </file>
 
-<file path=customXml/itemProps3.xml><?xml version="1.0" encoding="utf-8"?>
+<file path=customXml/itemProps1.xml><?xml version="1.0" encoding="utf-8"?>
 <ds:datastoreItem xmlns:ds="http://schemas.openxmlformats.org/officeDocument/2006/customXml" ds:itemID="{7A26AAF5-6CFC-4C52-B7DF-08410EDE6701}">
   <ds:schemaRefs>
     <ds:schemaRef ds:uri="http://schemas.microsoft.com/office/2006/metadata/contentType"/>
@@ -5436,4 +5593,22 @@
     <ds:schemaRef ds:uri="http://schemas.microsoft.com/internal/obd"/>
   </ds:schemaRefs>
 </ds:datastoreItem>
+</file>
+
+<file path=customXml/itemProps2.xml><?xml version="1.0" encoding="utf-8"?>
+<ds:datastoreItem xmlns:ds="http://schemas.openxmlformats.org/officeDocument/2006/customXml" ds:itemID="{2E5ECA37-C458-4BA2-A090-D7A19E07B434}">
+  <ds:schemaRefs>
+    <ds:schemaRef ds:uri="http://schemas.microsoft.com/sharepoint/v3/contenttype/forms"/>
+  </ds:schemaRefs>
+</ds:datastoreItem>
+</file>
+
+<file path=customXml/itemProps3.xml><?xml version="1.0" encoding="utf-8"?>
+<ds:datastoreItem xmlns:ds="http://schemas.openxmlformats.org/officeDocument/2006/customXml" ds:itemID="{84F503EC-3FFF-4193-A86F-39150E2BAC75}">
+  <ds:schemaRefs>
+    <ds:schemaRef ds:uri="http://schemas.microsoft.com/office/2006/metadata/properties"/>
+    <ds:schemaRef ds:uri="http://schemas.microsoft.com/office/infopath/2007/PartnerControls"/>
+    <ds:schemaRef ds:uri="71af3243-3dd4-4a8d-8c0d-dd76da1f02a5"/>
+  </ds:schemaRefs>
+</ds:datastoreItem>
 </file>